--- a/nlp/Seq2Seq.pptx
+++ b/nlp/Seq2Seq.pptx
@@ -5,12 +5,17 @@
     <p:sldMasterId id="2147483648" r:id="rId1"/>
   </p:sldMasterIdLst>
   <p:notesMasterIdLst>
-    <p:notesMasterId r:id="rId5"/>
+    <p:notesMasterId r:id="rId10"/>
   </p:notesMasterIdLst>
   <p:sldIdLst>
     <p:sldId id="256" r:id="rId2"/>
     <p:sldId id="257" r:id="rId3"/>
-    <p:sldId id="258" r:id="rId4"/>
+    <p:sldId id="259" r:id="rId4"/>
+    <p:sldId id="260" r:id="rId5"/>
+    <p:sldId id="261" r:id="rId6"/>
+    <p:sldId id="263" r:id="rId7"/>
+    <p:sldId id="262" r:id="rId8"/>
+    <p:sldId id="258" r:id="rId9"/>
   </p:sldIdLst>
   <p:sldSz cx="12192000" cy="6858000"/>
   <p:notesSz cx="6858000" cy="9144000"/>
@@ -590,7 +595,19 @@
           <a:bodyPr/>
           <a:lstStyle/>
           <a:p>
-            <a:endParaRPr lang="en-US"/>
+            <a:r>
+              <a:rPr lang="en-US" altLang="zh-CN" dirty="0" smtClean="0"/>
+              <a:t>X</a:t>
+            </a:r>
+            <a:r>
+              <a:rPr lang="zh-CN" altLang="en-US" dirty="0" smtClean="0"/>
+              <a:t>表示成长度相同的向量，这里广泛采用词嵌入</a:t>
+            </a:r>
+            <a:r>
+              <a:rPr lang="en-US" altLang="zh-CN" dirty="0" smtClean="0"/>
+              <a:t>(word embedding)</a:t>
+            </a:r>
+            <a:endParaRPr lang="en-US" dirty="0"/>
           </a:p>
         </p:txBody>
       </p:sp>
@@ -696,6 +713,534 @@
             <a:fld id="{C57FB525-0BAA-41BC-8ADA-7B5EC2EC65BE}" type="slidenum">
               <a:rPr lang="en-US" smtClean="0"/>
               <a:t>3</a:t>
+            </a:fld>
+            <a:endParaRPr lang="en-US"/>
+          </a:p>
+        </p:txBody>
+      </p:sp>
+    </p:spTree>
+    <p:extLst>
+      <p:ext uri="{BB962C8B-B14F-4D97-AF65-F5344CB8AC3E}">
+        <p14:creationId xmlns:p14="http://schemas.microsoft.com/office/powerpoint/2010/main" val="1895233986"/>
+      </p:ext>
+    </p:extLst>
+  </p:cSld>
+  <p:clrMapOvr>
+    <a:masterClrMapping/>
+  </p:clrMapOvr>
+</p:notes>
+</file>
+
+<file path=ppt/notesSlides/notesSlide4.xml><?xml version="1.0" encoding="utf-8"?>
+<p:notes xmlns:a="http://schemas.openxmlformats.org/drawingml/2006/main" xmlns:r="http://schemas.openxmlformats.org/officeDocument/2006/relationships" xmlns:p="http://schemas.openxmlformats.org/presentationml/2006/main">
+  <p:cSld>
+    <p:spTree>
+      <p:nvGrpSpPr>
+        <p:cNvPr id="1" name=""/>
+        <p:cNvGrpSpPr/>
+        <p:nvPr/>
+      </p:nvGrpSpPr>
+      <p:grpSpPr>
+        <a:xfrm>
+          <a:off x="0" y="0"/>
+          <a:ext cx="0" cy="0"/>
+          <a:chOff x="0" y="0"/>
+          <a:chExt cx="0" cy="0"/>
+        </a:xfrm>
+      </p:grpSpPr>
+      <p:sp>
+        <p:nvSpPr>
+          <p:cNvPr id="2" name="Slide Image Placeholder 1"/>
+          <p:cNvSpPr>
+            <a:spLocks noGrp="1" noRot="1" noChangeAspect="1"/>
+          </p:cNvSpPr>
+          <p:nvPr>
+            <p:ph type="sldImg"/>
+          </p:nvPr>
+        </p:nvSpPr>
+        <p:spPr/>
+      </p:sp>
+      <p:sp>
+        <p:nvSpPr>
+          <p:cNvPr id="3" name="Notes Placeholder 2"/>
+          <p:cNvSpPr>
+            <a:spLocks noGrp="1"/>
+          </p:cNvSpPr>
+          <p:nvPr>
+            <p:ph type="body" idx="1"/>
+          </p:nvPr>
+        </p:nvSpPr>
+        <p:spPr/>
+        <p:txBody>
+          <a:bodyPr/>
+          <a:lstStyle/>
+          <a:p>
+            <a:r>
+              <a:rPr lang="zh-CN" altLang="en-US" sz="1200" b="0" i="0" kern="1200" dirty="0" smtClean="0">
+                <a:solidFill>
+                  <a:schemeClr val="tx1"/>
+                </a:solidFill>
+                <a:effectLst/>
+                <a:latin typeface="+mn-lt"/>
+                <a:ea typeface="+mn-ea"/>
+                <a:cs typeface="+mn-cs"/>
+              </a:rPr>
+              <a:t>得到</a:t>
+            </a:r>
+            <a:r>
+              <a:rPr lang="en-US" altLang="zh-CN" sz="1200" b="0" i="0" kern="1200" dirty="0" smtClean="0">
+                <a:solidFill>
+                  <a:schemeClr val="tx1"/>
+                </a:solidFill>
+                <a:effectLst/>
+                <a:latin typeface="+mn-lt"/>
+                <a:ea typeface="+mn-ea"/>
+                <a:cs typeface="+mn-cs"/>
+              </a:rPr>
+              <a:t>c</a:t>
+            </a:r>
+            <a:r>
+              <a:rPr lang="zh-CN" altLang="en-US" sz="1200" b="0" i="0" kern="1200" dirty="0" smtClean="0">
+                <a:solidFill>
+                  <a:schemeClr val="tx1"/>
+                </a:solidFill>
+                <a:effectLst/>
+                <a:latin typeface="+mn-lt"/>
+                <a:ea typeface="+mn-ea"/>
+                <a:cs typeface="+mn-cs"/>
+              </a:rPr>
+              <a:t>有多种方式，最简单的方法就是把</a:t>
+            </a:r>
+            <a:r>
+              <a:rPr lang="en-US" altLang="zh-CN" sz="1200" b="0" i="0" kern="1200" dirty="0" smtClean="0">
+                <a:solidFill>
+                  <a:schemeClr val="tx1"/>
+                </a:solidFill>
+                <a:effectLst/>
+                <a:latin typeface="+mn-lt"/>
+                <a:ea typeface="+mn-ea"/>
+                <a:cs typeface="+mn-cs"/>
+              </a:rPr>
+              <a:t>Encoder</a:t>
+            </a:r>
+            <a:r>
+              <a:rPr lang="zh-CN" altLang="en-US" sz="1200" b="0" i="0" kern="1200" dirty="0" smtClean="0">
+                <a:solidFill>
+                  <a:schemeClr val="tx1"/>
+                </a:solidFill>
+                <a:effectLst/>
+                <a:latin typeface="+mn-lt"/>
+                <a:ea typeface="+mn-ea"/>
+                <a:cs typeface="+mn-cs"/>
+              </a:rPr>
+              <a:t>的最后一个隐状态赋值给</a:t>
+            </a:r>
+            <a:r>
+              <a:rPr lang="en-US" altLang="zh-CN" sz="1200" b="0" i="0" kern="1200" dirty="0" smtClean="0">
+                <a:solidFill>
+                  <a:schemeClr val="tx1"/>
+                </a:solidFill>
+                <a:effectLst/>
+                <a:latin typeface="+mn-lt"/>
+                <a:ea typeface="+mn-ea"/>
+                <a:cs typeface="+mn-cs"/>
+              </a:rPr>
+              <a:t>c</a:t>
+            </a:r>
+            <a:r>
+              <a:rPr lang="zh-CN" altLang="en-US" sz="1200" b="0" i="0" kern="1200" dirty="0" smtClean="0">
+                <a:solidFill>
+                  <a:schemeClr val="tx1"/>
+                </a:solidFill>
+                <a:effectLst/>
+                <a:latin typeface="+mn-lt"/>
+                <a:ea typeface="+mn-ea"/>
+                <a:cs typeface="+mn-cs"/>
+              </a:rPr>
+              <a:t>，还可以对最后的隐状态做一个变换得到</a:t>
+            </a:r>
+            <a:r>
+              <a:rPr lang="en-US" altLang="zh-CN" sz="1200" b="0" i="0" kern="1200" dirty="0" smtClean="0">
+                <a:solidFill>
+                  <a:schemeClr val="tx1"/>
+                </a:solidFill>
+                <a:effectLst/>
+                <a:latin typeface="+mn-lt"/>
+                <a:ea typeface="+mn-ea"/>
+                <a:cs typeface="+mn-cs"/>
+              </a:rPr>
+              <a:t>c</a:t>
+            </a:r>
+            <a:r>
+              <a:rPr lang="zh-CN" altLang="en-US" sz="1200" b="0" i="0" kern="1200" dirty="0" smtClean="0">
+                <a:solidFill>
+                  <a:schemeClr val="tx1"/>
+                </a:solidFill>
+                <a:effectLst/>
+                <a:latin typeface="+mn-lt"/>
+                <a:ea typeface="+mn-ea"/>
+                <a:cs typeface="+mn-cs"/>
+              </a:rPr>
+              <a:t>，也可以对所有的隐状态做变换。</a:t>
+            </a:r>
+            <a:endParaRPr lang="en-US" dirty="0"/>
+          </a:p>
+        </p:txBody>
+      </p:sp>
+      <p:sp>
+        <p:nvSpPr>
+          <p:cNvPr id="4" name="Slide Number Placeholder 3"/>
+          <p:cNvSpPr>
+            <a:spLocks noGrp="1"/>
+          </p:cNvSpPr>
+          <p:nvPr>
+            <p:ph type="sldNum" sz="quarter" idx="10"/>
+          </p:nvPr>
+        </p:nvSpPr>
+        <p:spPr/>
+        <p:txBody>
+          <a:bodyPr/>
+          <a:lstStyle/>
+          <a:p>
+            <a:fld id="{C57FB525-0BAA-41BC-8ADA-7B5EC2EC65BE}" type="slidenum">
+              <a:rPr lang="en-US" smtClean="0"/>
+              <a:t>4</a:t>
+            </a:fld>
+            <a:endParaRPr lang="en-US"/>
+          </a:p>
+        </p:txBody>
+      </p:sp>
+    </p:spTree>
+    <p:extLst>
+      <p:ext uri="{BB962C8B-B14F-4D97-AF65-F5344CB8AC3E}">
+        <p14:creationId xmlns:p14="http://schemas.microsoft.com/office/powerpoint/2010/main" val="687504829"/>
+      </p:ext>
+    </p:extLst>
+  </p:cSld>
+  <p:clrMapOvr>
+    <a:masterClrMapping/>
+  </p:clrMapOvr>
+</p:notes>
+</file>
+
+<file path=ppt/notesSlides/notesSlide5.xml><?xml version="1.0" encoding="utf-8"?>
+<p:notes xmlns:a="http://schemas.openxmlformats.org/drawingml/2006/main" xmlns:r="http://schemas.openxmlformats.org/officeDocument/2006/relationships" xmlns:p="http://schemas.openxmlformats.org/presentationml/2006/main">
+  <p:cSld>
+    <p:spTree>
+      <p:nvGrpSpPr>
+        <p:cNvPr id="1" name=""/>
+        <p:cNvGrpSpPr/>
+        <p:nvPr/>
+      </p:nvGrpSpPr>
+      <p:grpSpPr>
+        <a:xfrm>
+          <a:off x="0" y="0"/>
+          <a:ext cx="0" cy="0"/>
+          <a:chOff x="0" y="0"/>
+          <a:chExt cx="0" cy="0"/>
+        </a:xfrm>
+      </p:grpSpPr>
+      <p:sp>
+        <p:nvSpPr>
+          <p:cNvPr id="2" name="Slide Image Placeholder 1"/>
+          <p:cNvSpPr>
+            <a:spLocks noGrp="1" noRot="1" noChangeAspect="1"/>
+          </p:cNvSpPr>
+          <p:nvPr>
+            <p:ph type="sldImg"/>
+          </p:nvPr>
+        </p:nvSpPr>
+        <p:spPr/>
+      </p:sp>
+      <p:sp>
+        <p:nvSpPr>
+          <p:cNvPr id="3" name="Notes Placeholder 2"/>
+          <p:cNvSpPr>
+            <a:spLocks noGrp="1"/>
+          </p:cNvSpPr>
+          <p:nvPr>
+            <p:ph type="body" idx="1"/>
+          </p:nvPr>
+        </p:nvSpPr>
+        <p:spPr/>
+        <p:txBody>
+          <a:bodyPr/>
+          <a:lstStyle/>
+          <a:p>
+            <a:endParaRPr lang="en-US"/>
+          </a:p>
+        </p:txBody>
+      </p:sp>
+      <p:sp>
+        <p:nvSpPr>
+          <p:cNvPr id="4" name="Slide Number Placeholder 3"/>
+          <p:cNvSpPr>
+            <a:spLocks noGrp="1"/>
+          </p:cNvSpPr>
+          <p:nvPr>
+            <p:ph type="sldNum" sz="quarter" idx="10"/>
+          </p:nvPr>
+        </p:nvSpPr>
+        <p:spPr/>
+        <p:txBody>
+          <a:bodyPr/>
+          <a:lstStyle/>
+          <a:p>
+            <a:fld id="{C57FB525-0BAA-41BC-8ADA-7B5EC2EC65BE}" type="slidenum">
+              <a:rPr lang="en-US" smtClean="0"/>
+              <a:t>5</a:t>
+            </a:fld>
+            <a:endParaRPr lang="en-US"/>
+          </a:p>
+        </p:txBody>
+      </p:sp>
+    </p:spTree>
+    <p:extLst>
+      <p:ext uri="{BB962C8B-B14F-4D97-AF65-F5344CB8AC3E}">
+        <p14:creationId xmlns:p14="http://schemas.microsoft.com/office/powerpoint/2010/main" val="2331413194"/>
+      </p:ext>
+    </p:extLst>
+  </p:cSld>
+  <p:clrMapOvr>
+    <a:masterClrMapping/>
+  </p:clrMapOvr>
+</p:notes>
+</file>
+
+<file path=ppt/notesSlides/notesSlide6.xml><?xml version="1.0" encoding="utf-8"?>
+<p:notes xmlns:a="http://schemas.openxmlformats.org/drawingml/2006/main" xmlns:r="http://schemas.openxmlformats.org/officeDocument/2006/relationships" xmlns:p="http://schemas.openxmlformats.org/presentationml/2006/main">
+  <p:cSld>
+    <p:spTree>
+      <p:nvGrpSpPr>
+        <p:cNvPr id="1" name=""/>
+        <p:cNvGrpSpPr/>
+        <p:nvPr/>
+      </p:nvGrpSpPr>
+      <p:grpSpPr>
+        <a:xfrm>
+          <a:off x="0" y="0"/>
+          <a:ext cx="0" cy="0"/>
+          <a:chOff x="0" y="0"/>
+          <a:chExt cx="0" cy="0"/>
+        </a:xfrm>
+      </p:grpSpPr>
+      <p:sp>
+        <p:nvSpPr>
+          <p:cNvPr id="2" name="Slide Image Placeholder 1"/>
+          <p:cNvSpPr>
+            <a:spLocks noGrp="1" noRot="1" noChangeAspect="1"/>
+          </p:cNvSpPr>
+          <p:nvPr>
+            <p:ph type="sldImg"/>
+          </p:nvPr>
+        </p:nvSpPr>
+        <p:spPr/>
+      </p:sp>
+      <p:sp>
+        <p:nvSpPr>
+          <p:cNvPr id="3" name="Notes Placeholder 2"/>
+          <p:cNvSpPr>
+            <a:spLocks noGrp="1"/>
+          </p:cNvSpPr>
+          <p:nvPr>
+            <p:ph type="body" idx="1"/>
+          </p:nvPr>
+        </p:nvSpPr>
+        <p:spPr/>
+        <p:txBody>
+          <a:bodyPr/>
+          <a:lstStyle/>
+          <a:p>
+            <a:endParaRPr lang="en-US"/>
+          </a:p>
+        </p:txBody>
+      </p:sp>
+      <p:sp>
+        <p:nvSpPr>
+          <p:cNvPr id="4" name="Slide Number Placeholder 3"/>
+          <p:cNvSpPr>
+            <a:spLocks noGrp="1"/>
+          </p:cNvSpPr>
+          <p:nvPr>
+            <p:ph type="sldNum" sz="quarter" idx="10"/>
+          </p:nvPr>
+        </p:nvSpPr>
+        <p:spPr/>
+        <p:txBody>
+          <a:bodyPr/>
+          <a:lstStyle/>
+          <a:p>
+            <a:fld id="{C57FB525-0BAA-41BC-8ADA-7B5EC2EC65BE}" type="slidenum">
+              <a:rPr lang="en-US" smtClean="0"/>
+              <a:t>6</a:t>
+            </a:fld>
+            <a:endParaRPr lang="en-US"/>
+          </a:p>
+        </p:txBody>
+      </p:sp>
+    </p:spTree>
+    <p:extLst>
+      <p:ext uri="{BB962C8B-B14F-4D97-AF65-F5344CB8AC3E}">
+        <p14:creationId xmlns:p14="http://schemas.microsoft.com/office/powerpoint/2010/main" val="3787371528"/>
+      </p:ext>
+    </p:extLst>
+  </p:cSld>
+  <p:clrMapOvr>
+    <a:masterClrMapping/>
+  </p:clrMapOvr>
+</p:notes>
+</file>
+
+<file path=ppt/notesSlides/notesSlide7.xml><?xml version="1.0" encoding="utf-8"?>
+<p:notes xmlns:a="http://schemas.openxmlformats.org/drawingml/2006/main" xmlns:r="http://schemas.openxmlformats.org/officeDocument/2006/relationships" xmlns:p="http://schemas.openxmlformats.org/presentationml/2006/main">
+  <p:cSld>
+    <p:spTree>
+      <p:nvGrpSpPr>
+        <p:cNvPr id="1" name=""/>
+        <p:cNvGrpSpPr/>
+        <p:nvPr/>
+      </p:nvGrpSpPr>
+      <p:grpSpPr>
+        <a:xfrm>
+          <a:off x="0" y="0"/>
+          <a:ext cx="0" cy="0"/>
+          <a:chOff x="0" y="0"/>
+          <a:chExt cx="0" cy="0"/>
+        </a:xfrm>
+      </p:grpSpPr>
+      <p:sp>
+        <p:nvSpPr>
+          <p:cNvPr id="2" name="Slide Image Placeholder 1"/>
+          <p:cNvSpPr>
+            <a:spLocks noGrp="1" noRot="1" noChangeAspect="1"/>
+          </p:cNvSpPr>
+          <p:nvPr>
+            <p:ph type="sldImg"/>
+          </p:nvPr>
+        </p:nvSpPr>
+        <p:spPr/>
+      </p:sp>
+      <p:sp>
+        <p:nvSpPr>
+          <p:cNvPr id="3" name="Notes Placeholder 2"/>
+          <p:cNvSpPr>
+            <a:spLocks noGrp="1"/>
+          </p:cNvSpPr>
+          <p:nvPr>
+            <p:ph type="body" idx="1"/>
+          </p:nvPr>
+        </p:nvSpPr>
+        <p:spPr/>
+        <p:txBody>
+          <a:bodyPr/>
+          <a:lstStyle/>
+          <a:p>
+            <a:endParaRPr lang="en-US"/>
+          </a:p>
+        </p:txBody>
+      </p:sp>
+      <p:sp>
+        <p:nvSpPr>
+          <p:cNvPr id="4" name="Slide Number Placeholder 3"/>
+          <p:cNvSpPr>
+            <a:spLocks noGrp="1"/>
+          </p:cNvSpPr>
+          <p:nvPr>
+            <p:ph type="sldNum" sz="quarter" idx="10"/>
+          </p:nvPr>
+        </p:nvSpPr>
+        <p:spPr/>
+        <p:txBody>
+          <a:bodyPr/>
+          <a:lstStyle/>
+          <a:p>
+            <a:fld id="{C57FB525-0BAA-41BC-8ADA-7B5EC2EC65BE}" type="slidenum">
+              <a:rPr lang="en-US" smtClean="0"/>
+              <a:t>7</a:t>
+            </a:fld>
+            <a:endParaRPr lang="en-US"/>
+          </a:p>
+        </p:txBody>
+      </p:sp>
+    </p:spTree>
+    <p:extLst>
+      <p:ext uri="{BB962C8B-B14F-4D97-AF65-F5344CB8AC3E}">
+        <p14:creationId xmlns:p14="http://schemas.microsoft.com/office/powerpoint/2010/main" val="3172493944"/>
+      </p:ext>
+    </p:extLst>
+  </p:cSld>
+  <p:clrMapOvr>
+    <a:masterClrMapping/>
+  </p:clrMapOvr>
+</p:notes>
+</file>
+
+<file path=ppt/notesSlides/notesSlide8.xml><?xml version="1.0" encoding="utf-8"?>
+<p:notes xmlns:a="http://schemas.openxmlformats.org/drawingml/2006/main" xmlns:r="http://schemas.openxmlformats.org/officeDocument/2006/relationships" xmlns:p="http://schemas.openxmlformats.org/presentationml/2006/main">
+  <p:cSld>
+    <p:spTree>
+      <p:nvGrpSpPr>
+        <p:cNvPr id="1" name=""/>
+        <p:cNvGrpSpPr/>
+        <p:nvPr/>
+      </p:nvGrpSpPr>
+      <p:grpSpPr>
+        <a:xfrm>
+          <a:off x="0" y="0"/>
+          <a:ext cx="0" cy="0"/>
+          <a:chOff x="0" y="0"/>
+          <a:chExt cx="0" cy="0"/>
+        </a:xfrm>
+      </p:grpSpPr>
+      <p:sp>
+        <p:nvSpPr>
+          <p:cNvPr id="2" name="Slide Image Placeholder 1"/>
+          <p:cNvSpPr>
+            <a:spLocks noGrp="1" noRot="1" noChangeAspect="1"/>
+          </p:cNvSpPr>
+          <p:nvPr>
+            <p:ph type="sldImg"/>
+          </p:nvPr>
+        </p:nvSpPr>
+        <p:spPr/>
+      </p:sp>
+      <p:sp>
+        <p:nvSpPr>
+          <p:cNvPr id="3" name="Notes Placeholder 2"/>
+          <p:cNvSpPr>
+            <a:spLocks noGrp="1"/>
+          </p:cNvSpPr>
+          <p:nvPr>
+            <p:ph type="body" idx="1"/>
+          </p:nvPr>
+        </p:nvSpPr>
+        <p:spPr/>
+        <p:txBody>
+          <a:bodyPr/>
+          <a:lstStyle/>
+          <a:p>
+            <a:endParaRPr lang="en-US"/>
+          </a:p>
+        </p:txBody>
+      </p:sp>
+      <p:sp>
+        <p:nvSpPr>
+          <p:cNvPr id="4" name="Slide Number Placeholder 3"/>
+          <p:cNvSpPr>
+            <a:spLocks noGrp="1"/>
+          </p:cNvSpPr>
+          <p:nvPr>
+            <p:ph type="sldNum" sz="quarter" idx="10"/>
+          </p:nvPr>
+        </p:nvSpPr>
+        <p:spPr/>
+        <p:txBody>
+          <a:bodyPr/>
+          <a:lstStyle/>
+          <a:p>
+            <a:fld id="{C57FB525-0BAA-41BC-8ADA-7B5EC2EC65BE}" type="slidenum">
+              <a:rPr lang="en-US" smtClean="0"/>
+              <a:t>8</a:t>
             </a:fld>
             <a:endParaRPr lang="en-US"/>
           </a:p>
@@ -3752,6 +4297,36 @@
           </a:p>
         </p:txBody>
       </p:sp>
+      <p:pic>
+        <p:nvPicPr>
+          <p:cNvPr id="5" name="Content Placeholder 3"/>
+          <p:cNvPicPr>
+            <a:picLocks noChangeAspect="1"/>
+          </p:cNvPicPr>
+          <p:nvPr/>
+        </p:nvPicPr>
+        <p:blipFill>
+          <a:blip r:embed="rId3">
+            <a:extLst>
+              <a:ext uri="{28A0092B-C50C-407E-A947-70E740481C1C}">
+                <a14:useLocalDpi xmlns:a14="http://schemas.microsoft.com/office/drawing/2010/main" val="0"/>
+              </a:ext>
+            </a:extLst>
+          </a:blip>
+          <a:stretch>
+            <a:fillRect/>
+          </a:stretch>
+        </p:blipFill>
+        <p:spPr>
+          <a:xfrm>
+            <a:off x="3238500" y="3602038"/>
+            <a:ext cx="5715000" cy="2907506"/>
+          </a:xfrm>
+          <a:prstGeom prst="rect">
+            <a:avLst/>
+          </a:prstGeom>
+        </p:spPr>
+      </p:pic>
     </p:spTree>
     <p:extLst>
       <p:ext uri="{BB962C8B-B14F-4D97-AF65-F5344CB8AC3E}">
@@ -3762,6 +4337,13 @@
   <p:clrMapOvr>
     <a:masterClrMapping/>
   </p:clrMapOvr>
+  <p:timing>
+    <p:tnLst>
+      <p:par>
+        <p:cTn id="1" dur="indefinite" restart="never" nodeType="tmRoot"/>
+      </p:par>
+    </p:tnLst>
+  </p:timing>
 </p:sld>
 </file>
 
@@ -3797,13 +4379,17 @@
           <a:bodyPr/>
           <a:lstStyle/>
           <a:p>
-            <a:endParaRPr lang="en-US"/>
-          </a:p>
-        </p:txBody>
-      </p:sp>
-      <p:sp>
-        <p:nvSpPr>
-          <p:cNvPr id="3" name="Content Placeholder 2"/>
+            <a:r>
+              <a:rPr lang="zh-CN" altLang="en-US" dirty="0" smtClean="0"/>
+              <a:t>序列形的数据</a:t>
+            </a:r>
+            <a:endParaRPr lang="en-US" dirty="0"/>
+          </a:p>
+        </p:txBody>
+      </p:sp>
+      <p:sp>
+        <p:nvSpPr>
+          <p:cNvPr id="5" name="Content Placeholder 4"/>
           <p:cNvSpPr>
             <a:spLocks noGrp="1"/>
           </p:cNvSpPr>
@@ -3816,10 +4402,119 @@
           <a:bodyPr/>
           <a:lstStyle/>
           <a:p>
-            <a:endParaRPr lang="en-US"/>
-          </a:p>
-        </p:txBody>
-      </p:sp>
+            <a:pPr marL="0" indent="0">
+              <a:buNone/>
+            </a:pPr>
+            <a:r>
+              <a:rPr lang="zh-CN" altLang="en-US" dirty="0" smtClean="0"/>
+              <a:t>在实际应用中，我们还会遇到很多序列形的数据：</a:t>
+            </a:r>
+            <a:endParaRPr lang="en-US" altLang="zh-CN" dirty="0" smtClean="0"/>
+          </a:p>
+          <a:p>
+            <a:r>
+              <a:rPr lang="zh-CN" altLang="en-US" dirty="0" smtClean="0"/>
+              <a:t>自然语言处理问题。</a:t>
+            </a:r>
+            <a:r>
+              <a:rPr lang="en-US" altLang="zh-CN" dirty="0" smtClean="0"/>
+              <a:t>x1</a:t>
+            </a:r>
+            <a:r>
+              <a:rPr lang="zh-CN" altLang="en-US" dirty="0" smtClean="0"/>
+              <a:t>可以看做是第一个单词，</a:t>
+            </a:r>
+            <a:r>
+              <a:rPr lang="en-US" altLang="zh-CN" dirty="0" smtClean="0"/>
+              <a:t>x2</a:t>
+            </a:r>
+            <a:r>
+              <a:rPr lang="zh-CN" altLang="en-US" dirty="0" smtClean="0"/>
+              <a:t>可以看做是第二个单词，依次类推。</a:t>
+            </a:r>
+            <a:endParaRPr lang="en-US" altLang="zh-CN" dirty="0" smtClean="0"/>
+          </a:p>
+          <a:p>
+            <a:r>
+              <a:rPr lang="zh-CN" altLang="en-US" dirty="0" smtClean="0"/>
+              <a:t>语音处理。此时，</a:t>
+            </a:r>
+            <a:r>
+              <a:rPr lang="en-US" altLang="zh-CN" dirty="0" smtClean="0"/>
+              <a:t>x1</a:t>
+            </a:r>
+            <a:r>
+              <a:rPr lang="zh-CN" altLang="en-US" dirty="0" smtClean="0"/>
+              <a:t>、</a:t>
+            </a:r>
+            <a:r>
+              <a:rPr lang="en-US" altLang="zh-CN" dirty="0" smtClean="0"/>
+              <a:t>x2</a:t>
+            </a:r>
+            <a:r>
+              <a:rPr lang="zh-CN" altLang="en-US" dirty="0" smtClean="0"/>
+              <a:t>、</a:t>
+            </a:r>
+            <a:r>
+              <a:rPr lang="en-US" altLang="zh-CN" dirty="0" smtClean="0"/>
+              <a:t>x3……</a:t>
+            </a:r>
+            <a:r>
+              <a:rPr lang="zh-CN" altLang="en-US" dirty="0" smtClean="0"/>
+              <a:t>是每帧的声音信号。</a:t>
+            </a:r>
+            <a:endParaRPr lang="en-US" altLang="zh-CN" dirty="0" smtClean="0"/>
+          </a:p>
+          <a:p>
+            <a:r>
+              <a:rPr lang="zh-CN" altLang="en-US" dirty="0" smtClean="0"/>
+              <a:t>时间序列问题。例如每天的股票价格等等</a:t>
+            </a:r>
+            <a:endParaRPr lang="en-US" dirty="0"/>
+          </a:p>
+        </p:txBody>
+      </p:sp>
+      <p:pic>
+        <p:nvPicPr>
+          <p:cNvPr id="1026" name="Picture 2" descr="preview"/>
+          <p:cNvPicPr>
+            <a:picLocks noChangeAspect="1" noChangeArrowheads="1"/>
+          </p:cNvPicPr>
+          <p:nvPr/>
+        </p:nvPicPr>
+        <p:blipFill>
+          <a:blip r:embed="rId3" cstate="print">
+            <a:extLst>
+              <a:ext uri="{28A0092B-C50C-407E-A947-70E740481C1C}">
+                <a14:useLocalDpi xmlns:a14="http://schemas.microsoft.com/office/drawing/2010/main" val="0"/>
+              </a:ext>
+            </a:extLst>
+          </a:blip>
+          <a:srcRect/>
+          <a:stretch>
+            <a:fillRect/>
+          </a:stretch>
+        </p:blipFill>
+        <p:spPr bwMode="auto">
+          <a:xfrm>
+            <a:off x="7329487" y="976313"/>
+            <a:ext cx="4024313" cy="714375"/>
+          </a:xfrm>
+          <a:prstGeom prst="rect">
+            <a:avLst/>
+          </a:prstGeom>
+          <a:noFill/>
+          <a:extLst>
+            <a:ext uri="{909E8E84-426E-40DD-AFC4-6F175D3DCCD1}">
+              <a14:hiddenFill xmlns:a14="http://schemas.microsoft.com/office/drawing/2010/main">
+                <a:solidFill>
+                  <a:srgbClr val="FFFFFF"/>
+                </a:solidFill>
+              </a14:hiddenFill>
+            </a:ext>
+          </a:extLst>
+        </p:spPr>
+      </p:pic>
     </p:spTree>
     <p:extLst>
       <p:ext uri="{BB962C8B-B14F-4D97-AF65-F5344CB8AC3E}">
@@ -3830,6 +4525,13 @@
   <p:clrMapOvr>
     <a:masterClrMapping/>
   </p:clrMapOvr>
+  <p:timing>
+    <p:tnLst>
+      <p:par>
+        <p:cTn id="1" dur="indefinite" restart="never" nodeType="tmRoot"/>
+      </p:par>
+    </p:tnLst>
+  </p:timing>
 </p:sld>
 </file>
 
@@ -3866,6 +4568,1470 @@
           <a:lstStyle/>
           <a:p>
             <a:r>
+              <a:rPr lang="zh-CN" altLang="en-US" dirty="0" smtClean="0"/>
+              <a:t>循环神经网络</a:t>
+            </a:r>
+            <a:r>
+              <a:rPr lang="en-US" dirty="0" smtClean="0"/>
+              <a:t> (</a:t>
+            </a:r>
+            <a:r>
+              <a:rPr lang="en-US" dirty="0" smtClean="0"/>
+              <a:t>RNN = </a:t>
+            </a:r>
+            <a:r>
+              <a:rPr lang="en-US" sz="2800" dirty="0" smtClean="0"/>
+              <a:t>Recurrent neural network</a:t>
+            </a:r>
+            <a:r>
+              <a:rPr lang="en-US" dirty="0" smtClean="0"/>
+              <a:t>)</a:t>
+            </a:r>
+            <a:endParaRPr lang="en-US" dirty="0"/>
+          </a:p>
+        </p:txBody>
+      </p:sp>
+      <p:sp>
+        <p:nvSpPr>
+          <p:cNvPr id="3" name="Content Placeholder 2"/>
+          <p:cNvSpPr>
+            <a:spLocks noGrp="1"/>
+          </p:cNvSpPr>
+          <p:nvPr>
+            <p:ph idx="1"/>
+          </p:nvPr>
+        </p:nvSpPr>
+        <p:spPr/>
+        <p:txBody>
+          <a:bodyPr/>
+          <a:lstStyle/>
+          <a:p>
+            <a:r>
+              <a:rPr lang="zh-CN" altLang="en-US" dirty="0" smtClean="0"/>
+              <a:t>为了建模序列问题，</a:t>
+            </a:r>
+            <a:r>
+              <a:rPr lang="zh-CN" altLang="en-US" dirty="0"/>
+              <a:t>引</a:t>
+            </a:r>
+            <a:r>
+              <a:rPr lang="zh-CN" altLang="en-US" dirty="0" smtClean="0"/>
+              <a:t>入</a:t>
+            </a:r>
+            <a:r>
+              <a:rPr lang="zh-CN" altLang="en-US" dirty="0" smtClean="0"/>
+              <a:t>循环神经网络。</a:t>
+            </a:r>
+            <a:endParaRPr lang="en-US" altLang="zh-CN" dirty="0" smtClean="0"/>
+          </a:p>
+          <a:p>
+            <a:endParaRPr lang="en-US" altLang="zh-CN" dirty="0"/>
+          </a:p>
+          <a:p>
+            <a:endParaRPr lang="en-US" altLang="zh-CN" dirty="0" smtClean="0"/>
+          </a:p>
+          <a:p>
+            <a:endParaRPr lang="en-US" altLang="zh-CN" dirty="0"/>
+          </a:p>
+          <a:p>
+            <a:endParaRPr lang="en-US" altLang="zh-CN" dirty="0" smtClean="0"/>
+          </a:p>
+          <a:p>
+            <a:r>
+              <a:rPr lang="zh-CN" altLang="en-US" dirty="0"/>
+              <a:t>每一步使用的参</a:t>
+            </a:r>
+            <a:r>
+              <a:rPr lang="zh-CN" altLang="en-US" dirty="0" smtClean="0"/>
+              <a:t>数</a:t>
+            </a:r>
+            <a:endParaRPr lang="en-US" altLang="zh-CN" dirty="0" smtClean="0"/>
+          </a:p>
+          <a:p>
+            <a:pPr marL="0" indent="0">
+              <a:buNone/>
+            </a:pPr>
+            <a:r>
+              <a:rPr lang="en-US" altLang="zh-CN" dirty="0" smtClean="0"/>
+              <a:t>U</a:t>
+            </a:r>
+            <a:r>
+              <a:rPr lang="zh-CN" altLang="en-US" dirty="0"/>
+              <a:t>、</a:t>
+            </a:r>
+            <a:r>
+              <a:rPr lang="en-US" altLang="zh-CN" dirty="0"/>
+              <a:t>W</a:t>
+            </a:r>
+            <a:r>
+              <a:rPr lang="zh-CN" altLang="en-US" dirty="0"/>
+              <a:t>、</a:t>
+            </a:r>
+            <a:r>
+              <a:rPr lang="en-US" altLang="zh-CN" dirty="0"/>
+              <a:t>b</a:t>
+            </a:r>
+            <a:r>
+              <a:rPr lang="zh-CN" altLang="en-US" dirty="0"/>
+              <a:t>都是一样</a:t>
+            </a:r>
+            <a:r>
+              <a:rPr lang="zh-CN" altLang="en-US" dirty="0" smtClean="0"/>
+              <a:t>的</a:t>
+            </a:r>
+            <a:endParaRPr lang="en-US" altLang="zh-CN" dirty="0" smtClean="0"/>
+          </a:p>
+          <a:p>
+            <a:pPr marL="0" indent="0">
+              <a:buNone/>
+            </a:pPr>
+            <a:r>
+              <a:rPr lang="en-US" altLang="zh-CN" dirty="0" smtClean="0"/>
+              <a:t>-- </a:t>
+            </a:r>
+            <a:r>
+              <a:rPr lang="zh-CN" altLang="en-US" b="1" dirty="0" smtClean="0">
+                <a:solidFill>
+                  <a:srgbClr val="7030A0"/>
+                </a:solidFill>
+              </a:rPr>
+              <a:t>参数共享</a:t>
+            </a:r>
+            <a:endParaRPr lang="en-US" altLang="zh-CN" b="1" dirty="0" smtClean="0">
+              <a:solidFill>
+                <a:srgbClr val="7030A0"/>
+              </a:solidFill>
+            </a:endParaRPr>
+          </a:p>
+          <a:p>
+            <a:endParaRPr lang="en-US" dirty="0"/>
+          </a:p>
+        </p:txBody>
+      </p:sp>
+      <p:pic>
+        <p:nvPicPr>
+          <p:cNvPr id="2054" name="Picture 6" descr="https://pic1.zhimg.com/50/v2-a5f8bc30bcc2d9eba7470810cb362850_hd.jpg"/>
+          <p:cNvPicPr>
+            <a:picLocks noChangeAspect="1" noChangeArrowheads="1"/>
+          </p:cNvPicPr>
+          <p:nvPr/>
+        </p:nvPicPr>
+        <p:blipFill>
+          <a:blip r:embed="rId3">
+            <a:extLst>
+              <a:ext uri="{28A0092B-C50C-407E-A947-70E740481C1C}">
+                <a14:useLocalDpi xmlns:a14="http://schemas.microsoft.com/office/drawing/2010/main" val="0"/>
+              </a:ext>
+            </a:extLst>
+          </a:blip>
+          <a:srcRect/>
+          <a:stretch>
+            <a:fillRect/>
+          </a:stretch>
+        </p:blipFill>
+        <p:spPr bwMode="auto">
+          <a:xfrm>
+            <a:off x="581756" y="2382997"/>
+            <a:ext cx="3429000" cy="1333500"/>
+          </a:xfrm>
+          <a:prstGeom prst="rect">
+            <a:avLst/>
+          </a:prstGeom>
+          <a:noFill/>
+          <a:extLst>
+            <a:ext uri="{909E8E84-426E-40DD-AFC4-6F175D3DCCD1}">
+              <a14:hiddenFill xmlns:a14="http://schemas.microsoft.com/office/drawing/2010/main">
+                <a:solidFill>
+                  <a:srgbClr val="FFFFFF"/>
+                </a:solidFill>
+              </a14:hiddenFill>
+            </a:ext>
+          </a:extLst>
+        </p:spPr>
+      </p:pic>
+      <p:pic>
+        <p:nvPicPr>
+          <p:cNvPr id="2056" name="Picture 8" descr="https://pic1.zhimg.com/50/v2-74d7ac80ca83165092579932920d0ffe_hd.jpg"/>
+          <p:cNvPicPr>
+            <a:picLocks noChangeAspect="1" noChangeArrowheads="1"/>
+          </p:cNvPicPr>
+          <p:nvPr/>
+        </p:nvPicPr>
+        <p:blipFill>
+          <a:blip r:embed="rId4">
+            <a:extLst>
+              <a:ext uri="{28A0092B-C50C-407E-A947-70E740481C1C}">
+                <a14:useLocalDpi xmlns:a14="http://schemas.microsoft.com/office/drawing/2010/main" val="0"/>
+              </a:ext>
+            </a:extLst>
+          </a:blip>
+          <a:srcRect/>
+          <a:stretch>
+            <a:fillRect/>
+          </a:stretch>
+        </p:blipFill>
+        <p:spPr bwMode="auto">
+          <a:xfrm>
+            <a:off x="4198070" y="2568734"/>
+            <a:ext cx="3429000" cy="1147763"/>
+          </a:xfrm>
+          <a:prstGeom prst="rect">
+            <a:avLst/>
+          </a:prstGeom>
+          <a:noFill/>
+          <a:extLst>
+            <a:ext uri="{909E8E84-426E-40DD-AFC4-6F175D3DCCD1}">
+              <a14:hiddenFill xmlns:a14="http://schemas.microsoft.com/office/drawing/2010/main">
+                <a:solidFill>
+                  <a:srgbClr val="FFFFFF"/>
+                </a:solidFill>
+              </a14:hiddenFill>
+            </a:ext>
+          </a:extLst>
+        </p:spPr>
+      </p:pic>
+      <p:pic>
+        <p:nvPicPr>
+          <p:cNvPr id="2058" name="Picture 10" descr="https://pic4.zhimg.com/50/v2-bc9759f8c642208a0f8514ccd0260b31_hd.jpg"/>
+          <p:cNvPicPr>
+            <a:picLocks noChangeAspect="1" noChangeArrowheads="1"/>
+          </p:cNvPicPr>
+          <p:nvPr/>
+        </p:nvPicPr>
+        <p:blipFill>
+          <a:blip r:embed="rId5">
+            <a:extLst>
+              <a:ext uri="{28A0092B-C50C-407E-A947-70E740481C1C}">
+                <a14:useLocalDpi xmlns:a14="http://schemas.microsoft.com/office/drawing/2010/main" val="0"/>
+              </a:ext>
+            </a:extLst>
+          </a:blip>
+          <a:srcRect/>
+          <a:stretch>
+            <a:fillRect/>
+          </a:stretch>
+        </p:blipFill>
+        <p:spPr bwMode="auto">
+          <a:xfrm>
+            <a:off x="7883514" y="2068672"/>
+            <a:ext cx="3429000" cy="1647825"/>
+          </a:xfrm>
+          <a:prstGeom prst="rect">
+            <a:avLst/>
+          </a:prstGeom>
+          <a:noFill/>
+          <a:extLst>
+            <a:ext uri="{909E8E84-426E-40DD-AFC4-6F175D3DCCD1}">
+              <a14:hiddenFill xmlns:a14="http://schemas.microsoft.com/office/drawing/2010/main">
+                <a:solidFill>
+                  <a:srgbClr val="FFFFFF"/>
+                </a:solidFill>
+              </a14:hiddenFill>
+            </a:ext>
+          </a:extLst>
+        </p:spPr>
+      </p:pic>
+      <p:pic>
+        <p:nvPicPr>
+          <p:cNvPr id="2060" name="Picture 12" descr="https://pic1.zhimg.com/50/v2-9f3a921d0d5c1313afa58bd3ef53af48_hd.jpg"/>
+          <p:cNvPicPr>
+            <a:picLocks noChangeAspect="1" noChangeArrowheads="1"/>
+          </p:cNvPicPr>
+          <p:nvPr/>
+        </p:nvPicPr>
+        <p:blipFill>
+          <a:blip r:embed="rId6">
+            <a:extLst>
+              <a:ext uri="{28A0092B-C50C-407E-A947-70E740481C1C}">
+                <a14:useLocalDpi xmlns:a14="http://schemas.microsoft.com/office/drawing/2010/main" val="0"/>
+              </a:ext>
+            </a:extLst>
+          </a:blip>
+          <a:srcRect/>
+          <a:stretch>
+            <a:fillRect/>
+          </a:stretch>
+        </p:blipFill>
+        <p:spPr bwMode="auto">
+          <a:xfrm>
+            <a:off x="4198070" y="4217988"/>
+            <a:ext cx="3429000" cy="2266950"/>
+          </a:xfrm>
+          <a:prstGeom prst="rect">
+            <a:avLst/>
+          </a:prstGeom>
+          <a:noFill/>
+          <a:extLst>
+            <a:ext uri="{909E8E84-426E-40DD-AFC4-6F175D3DCCD1}">
+              <a14:hiddenFill xmlns:a14="http://schemas.microsoft.com/office/drawing/2010/main">
+                <a:solidFill>
+                  <a:srgbClr val="FFFFFF"/>
+                </a:solidFill>
+              </a14:hiddenFill>
+            </a:ext>
+          </a:extLst>
+        </p:spPr>
+      </p:pic>
+      <p:pic>
+        <p:nvPicPr>
+          <p:cNvPr id="2062" name="Picture 14" descr="https://pic3.zhimg.com/50/v2-629abbab0d5cc871db396f17e9c58631_hd.jpg"/>
+          <p:cNvPicPr>
+            <a:picLocks noChangeAspect="1" noChangeArrowheads="1"/>
+          </p:cNvPicPr>
+          <p:nvPr/>
+        </p:nvPicPr>
+        <p:blipFill>
+          <a:blip r:embed="rId7">
+            <a:extLst>
+              <a:ext uri="{28A0092B-C50C-407E-A947-70E740481C1C}">
+                <a14:useLocalDpi xmlns:a14="http://schemas.microsoft.com/office/drawing/2010/main" val="0"/>
+              </a:ext>
+            </a:extLst>
+          </a:blip>
+          <a:srcRect/>
+          <a:stretch>
+            <a:fillRect/>
+          </a:stretch>
+        </p:blipFill>
+        <p:spPr bwMode="auto">
+          <a:xfrm>
+            <a:off x="7924800" y="4001294"/>
+            <a:ext cx="3429000" cy="2700338"/>
+          </a:xfrm>
+          <a:prstGeom prst="rect">
+            <a:avLst/>
+          </a:prstGeom>
+          <a:noFill/>
+          <a:extLst>
+            <a:ext uri="{909E8E84-426E-40DD-AFC4-6F175D3DCCD1}">
+              <a14:hiddenFill xmlns:a14="http://schemas.microsoft.com/office/drawing/2010/main">
+                <a:solidFill>
+                  <a:srgbClr val="FFFFFF"/>
+                </a:solidFill>
+              </a14:hiddenFill>
+            </a:ext>
+          </a:extLst>
+        </p:spPr>
+      </p:pic>
+      <p:pic>
+        <p:nvPicPr>
+          <p:cNvPr id="2064" name="Picture 16" descr="rnn.png"/>
+          <p:cNvPicPr>
+            <a:picLocks noChangeAspect="1" noChangeArrowheads="1"/>
+          </p:cNvPicPr>
+          <p:nvPr/>
+        </p:nvPicPr>
+        <p:blipFill>
+          <a:blip r:embed="rId8">
+            <a:extLst>
+              <a:ext uri="{28A0092B-C50C-407E-A947-70E740481C1C}">
+                <a14:useLocalDpi xmlns:a14="http://schemas.microsoft.com/office/drawing/2010/main" val="0"/>
+              </a:ext>
+            </a:extLst>
+          </a:blip>
+          <a:srcRect/>
+          <a:stretch>
+            <a:fillRect/>
+          </a:stretch>
+        </p:blipFill>
+        <p:spPr bwMode="auto">
+          <a:xfrm>
+            <a:off x="10056093" y="365125"/>
+            <a:ext cx="1904762" cy="1038095"/>
+          </a:xfrm>
+          <a:prstGeom prst="rect">
+            <a:avLst/>
+          </a:prstGeom>
+          <a:noFill/>
+          <a:extLst>
+            <a:ext uri="{909E8E84-426E-40DD-AFC4-6F175D3DCCD1}">
+              <a14:hiddenFill xmlns:a14="http://schemas.microsoft.com/office/drawing/2010/main">
+                <a:solidFill>
+                  <a:srgbClr val="FFFFFF"/>
+                </a:solidFill>
+              </a14:hiddenFill>
+            </a:ext>
+          </a:extLst>
+        </p:spPr>
+      </p:pic>
+    </p:spTree>
+    <p:extLst>
+      <p:ext uri="{BB962C8B-B14F-4D97-AF65-F5344CB8AC3E}">
+        <p14:creationId xmlns:p14="http://schemas.microsoft.com/office/powerpoint/2010/main" val="293613864"/>
+      </p:ext>
+    </p:extLst>
+  </p:cSld>
+  <p:clrMapOvr>
+    <a:masterClrMapping/>
+  </p:clrMapOvr>
+  <p:timing>
+    <p:tnLst>
+      <p:par>
+        <p:cTn id="1" dur="indefinite" restart="never" nodeType="tmRoot"/>
+      </p:par>
+    </p:tnLst>
+  </p:timing>
+</p:sld>
+</file>
+
+<file path=ppt/slides/slide4.xml><?xml version="1.0" encoding="utf-8"?>
+<p:sld xmlns:a="http://schemas.openxmlformats.org/drawingml/2006/main" xmlns:r="http://schemas.openxmlformats.org/officeDocument/2006/relationships" xmlns:p="http://schemas.openxmlformats.org/presentationml/2006/main">
+  <p:cSld>
+    <p:spTree>
+      <p:nvGrpSpPr>
+        <p:cNvPr id="1" name=""/>
+        <p:cNvGrpSpPr/>
+        <p:nvPr/>
+      </p:nvGrpSpPr>
+      <p:grpSpPr>
+        <a:xfrm>
+          <a:off x="0" y="0"/>
+          <a:ext cx="0" cy="0"/>
+          <a:chOff x="0" y="0"/>
+          <a:chExt cx="0" cy="0"/>
+        </a:xfrm>
+      </p:grpSpPr>
+      <p:sp>
+        <p:nvSpPr>
+          <p:cNvPr id="2" name="Title 1"/>
+          <p:cNvSpPr>
+            <a:spLocks noGrp="1"/>
+          </p:cNvSpPr>
+          <p:nvPr>
+            <p:ph type="title"/>
+          </p:nvPr>
+        </p:nvSpPr>
+        <p:spPr/>
+        <p:txBody>
+          <a:bodyPr/>
+          <a:lstStyle/>
+          <a:p>
+            <a:r>
+              <a:rPr lang="en-US" dirty="0" smtClean="0"/>
+              <a:t>Seq2Seq</a:t>
+            </a:r>
+            <a:r>
+              <a:rPr lang="zh-CN" altLang="en-US" dirty="0" smtClean="0"/>
+              <a:t>模型</a:t>
+            </a:r>
+            <a:r>
+              <a:rPr lang="en-US" dirty="0" smtClean="0"/>
+              <a:t>(1)</a:t>
+            </a:r>
+            <a:endParaRPr lang="en-US" dirty="0"/>
+          </a:p>
+        </p:txBody>
+      </p:sp>
+      <p:sp>
+        <p:nvSpPr>
+          <p:cNvPr id="3" name="Content Placeholder 2"/>
+          <p:cNvSpPr>
+            <a:spLocks noGrp="1"/>
+          </p:cNvSpPr>
+          <p:nvPr>
+            <p:ph idx="1"/>
+          </p:nvPr>
+        </p:nvSpPr>
+        <p:spPr/>
+        <p:txBody>
+          <a:bodyPr/>
+          <a:lstStyle/>
+          <a:p>
+            <a:r>
+              <a:rPr lang="zh-CN" altLang="en-US" dirty="0"/>
+              <a:t>包含了三个部分，即</a:t>
+            </a:r>
+            <a:r>
+              <a:rPr lang="en-US" altLang="zh-CN" dirty="0"/>
+              <a:t>Encoder</a:t>
+            </a:r>
+            <a:r>
+              <a:rPr lang="zh-CN" altLang="en-US" dirty="0"/>
+              <a:t>、</a:t>
+            </a:r>
+            <a:r>
+              <a:rPr lang="en-US" altLang="zh-CN" dirty="0"/>
+              <a:t>Decoder</a:t>
+            </a:r>
+            <a:r>
+              <a:rPr lang="zh-CN" altLang="en-US" dirty="0"/>
+              <a:t>以及连接两者的中间状态向</a:t>
+            </a:r>
+            <a:r>
+              <a:rPr lang="zh-CN" altLang="en-US" dirty="0" smtClean="0"/>
+              <a:t>量 </a:t>
+            </a:r>
+            <a:r>
+              <a:rPr lang="en-US" altLang="zh-CN" dirty="0" smtClean="0"/>
+              <a:t>---- </a:t>
+            </a:r>
+            <a:r>
+              <a:rPr lang="zh-CN" altLang="en-US" dirty="0" smtClean="0"/>
+              <a:t>这种结构又叫</a:t>
+            </a:r>
+            <a:r>
+              <a:rPr lang="en-US" altLang="zh-CN" dirty="0" smtClean="0"/>
+              <a:t>Encoder-Decoder</a:t>
+            </a:r>
+            <a:r>
+              <a:rPr lang="zh-CN" altLang="en-US" dirty="0" smtClean="0"/>
+              <a:t>模型</a:t>
+            </a:r>
+            <a:endParaRPr lang="en-US" altLang="zh-CN" dirty="0" smtClean="0"/>
+          </a:p>
+          <a:p>
+            <a:pPr marL="971550" lvl="1" indent="-514350">
+              <a:buFont typeface="+mj-lt"/>
+              <a:buAutoNum type="arabicPeriod"/>
+            </a:pPr>
+            <a:r>
+              <a:rPr lang="zh-CN" altLang="en-US" dirty="0" smtClean="0"/>
+              <a:t>先将输入数据编码成一个上下文向量</a:t>
+            </a:r>
+            <a:r>
+              <a:rPr lang="en-US" altLang="zh-CN" dirty="0" smtClean="0"/>
+              <a:t>c</a:t>
+            </a:r>
+          </a:p>
+          <a:p>
+            <a:pPr marL="971550" lvl="1" indent="-514350">
+              <a:buFont typeface="+mj-lt"/>
+              <a:buAutoNum type="arabicPeriod"/>
+            </a:pPr>
+            <a:r>
+              <a:rPr lang="zh-CN" altLang="en-US" dirty="0" smtClean="0"/>
+              <a:t>拿到</a:t>
+            </a:r>
+            <a:r>
+              <a:rPr lang="en-US" altLang="zh-CN" dirty="0" smtClean="0"/>
+              <a:t>c</a:t>
+            </a:r>
+            <a:r>
+              <a:rPr lang="zh-CN" altLang="en-US" dirty="0" smtClean="0"/>
+              <a:t>之后，就用另一个</a:t>
+            </a:r>
+            <a:r>
+              <a:rPr lang="en-US" altLang="zh-CN" dirty="0" smtClean="0"/>
+              <a:t>RNN</a:t>
+            </a:r>
+            <a:r>
+              <a:rPr lang="zh-CN" altLang="en-US" dirty="0" smtClean="0"/>
+              <a:t>网络对其进行解码，这部分</a:t>
+            </a:r>
+            <a:r>
+              <a:rPr lang="en-US" altLang="zh-CN" dirty="0" smtClean="0"/>
+              <a:t>RNN</a:t>
+            </a:r>
+            <a:r>
+              <a:rPr lang="zh-CN" altLang="en-US" dirty="0" smtClean="0"/>
+              <a:t>网络被称为</a:t>
+            </a:r>
+            <a:r>
+              <a:rPr lang="en-US" altLang="zh-CN" dirty="0" smtClean="0"/>
+              <a:t>Decoder</a:t>
+            </a:r>
+            <a:r>
+              <a:rPr lang="zh-CN" altLang="en-US" dirty="0" smtClean="0"/>
+              <a:t>。</a:t>
+            </a:r>
+            <a:endParaRPr lang="en-US" altLang="zh-CN" dirty="0" smtClean="0"/>
+          </a:p>
+          <a:p>
+            <a:pPr marL="971550" lvl="1" indent="-514350">
+              <a:buFont typeface="+mj-lt"/>
+              <a:buAutoNum type="arabicPeriod"/>
+            </a:pPr>
+            <a:endParaRPr lang="en-US" dirty="0"/>
+          </a:p>
+        </p:txBody>
+      </p:sp>
+      <p:pic>
+        <p:nvPicPr>
+          <p:cNvPr id="3074" name="Picture 2" descr="https://pic3.zhimg.com/50/v2-03aaa7754bb9992858a05bb9668631a9_hd.jpg"/>
+          <p:cNvPicPr>
+            <a:picLocks noChangeAspect="1" noChangeArrowheads="1"/>
+          </p:cNvPicPr>
+          <p:nvPr/>
+        </p:nvPicPr>
+        <p:blipFill>
+          <a:blip r:embed="rId3">
+            <a:extLst>
+              <a:ext uri="{28A0092B-C50C-407E-A947-70E740481C1C}">
+                <a14:useLocalDpi xmlns:a14="http://schemas.microsoft.com/office/drawing/2010/main" val="0"/>
+              </a:ext>
+            </a:extLst>
+          </a:blip>
+          <a:srcRect/>
+          <a:stretch>
+            <a:fillRect/>
+          </a:stretch>
+        </p:blipFill>
+        <p:spPr bwMode="auto">
+          <a:xfrm>
+            <a:off x="1359426" y="3943350"/>
+            <a:ext cx="3429000" cy="2233613"/>
+          </a:xfrm>
+          <a:prstGeom prst="rect">
+            <a:avLst/>
+          </a:prstGeom>
+          <a:noFill/>
+          <a:extLst>
+            <a:ext uri="{909E8E84-426E-40DD-AFC4-6F175D3DCCD1}">
+              <a14:hiddenFill xmlns:a14="http://schemas.microsoft.com/office/drawing/2010/main">
+                <a:solidFill>
+                  <a:srgbClr val="FFFFFF"/>
+                </a:solidFill>
+              </a14:hiddenFill>
+            </a:ext>
+          </a:extLst>
+        </p:spPr>
+      </p:pic>
+      <p:pic>
+        <p:nvPicPr>
+          <p:cNvPr id="3076" name="Picture 4" descr="https://pic2.zhimg.com/50/v2-77e8a977fc3d43bec8b05633dc52ff9f_hd.jpg"/>
+          <p:cNvPicPr>
+            <a:picLocks noChangeAspect="1" noChangeArrowheads="1"/>
+          </p:cNvPicPr>
+          <p:nvPr/>
+        </p:nvPicPr>
+        <p:blipFill>
+          <a:blip r:embed="rId4">
+            <a:extLst>
+              <a:ext uri="{28A0092B-C50C-407E-A947-70E740481C1C}">
+                <a14:useLocalDpi xmlns:a14="http://schemas.microsoft.com/office/drawing/2010/main" val="0"/>
+              </a:ext>
+            </a:extLst>
+          </a:blip>
+          <a:srcRect/>
+          <a:stretch>
+            <a:fillRect/>
+          </a:stretch>
+        </p:blipFill>
+        <p:spPr bwMode="auto">
+          <a:xfrm>
+            <a:off x="5309652" y="4247356"/>
+            <a:ext cx="5143500" cy="2064544"/>
+          </a:xfrm>
+          <a:prstGeom prst="rect">
+            <a:avLst/>
+          </a:prstGeom>
+          <a:noFill/>
+          <a:extLst>
+            <a:ext uri="{909E8E84-426E-40DD-AFC4-6F175D3DCCD1}">
+              <a14:hiddenFill xmlns:a14="http://schemas.microsoft.com/office/drawing/2010/main">
+                <a:solidFill>
+                  <a:srgbClr val="FFFFFF"/>
+                </a:solidFill>
+              </a14:hiddenFill>
+            </a:ext>
+          </a:extLst>
+        </p:spPr>
+      </p:pic>
+      <p:sp>
+        <p:nvSpPr>
+          <p:cNvPr id="4" name="Rectangle 3"/>
+          <p:cNvSpPr/>
+          <p:nvPr/>
+        </p:nvSpPr>
+        <p:spPr>
+          <a:xfrm>
+            <a:off x="5309652" y="3878024"/>
+            <a:ext cx="4857099" cy="369332"/>
+          </a:xfrm>
+          <a:prstGeom prst="rect">
+            <a:avLst/>
+          </a:prstGeom>
+        </p:spPr>
+        <p:txBody>
+          <a:bodyPr wrap="none">
+            <a:spAutoFit/>
+          </a:bodyPr>
+          <a:lstStyle/>
+          <a:p>
+            <a:r>
+              <a:rPr lang="en-US" dirty="0" smtClean="0"/>
+              <a:t>(1) </a:t>
+            </a:r>
+            <a:r>
+              <a:rPr lang="en-US" dirty="0" smtClean="0"/>
+              <a:t>将c当做之前的初始状态h0输入到Decoder中</a:t>
+            </a:r>
+            <a:endParaRPr lang="en-US" dirty="0"/>
+          </a:p>
+        </p:txBody>
+      </p:sp>
+      <p:sp>
+        <p:nvSpPr>
+          <p:cNvPr id="6" name="Rounded Rectangular Callout 5"/>
+          <p:cNvSpPr/>
+          <p:nvPr/>
+        </p:nvSpPr>
+        <p:spPr>
+          <a:xfrm>
+            <a:off x="8202625" y="5796278"/>
+            <a:ext cx="1230826" cy="780137"/>
+          </a:xfrm>
+          <a:prstGeom prst="wedgeRoundRectCallout">
+            <a:avLst>
+              <a:gd name="adj1" fmla="val -25643"/>
+              <a:gd name="adj2" fmla="val -83380"/>
+              <a:gd name="adj3" fmla="val 16667"/>
+            </a:avLst>
+          </a:prstGeom>
+        </p:spPr>
+        <p:style>
+          <a:lnRef idx="2">
+            <a:schemeClr val="accent1">
+              <a:shade val="50000"/>
+            </a:schemeClr>
+          </a:lnRef>
+          <a:fillRef idx="1">
+            <a:schemeClr val="accent1"/>
+          </a:fillRef>
+          <a:effectRef idx="0">
+            <a:schemeClr val="accent1"/>
+          </a:effectRef>
+          <a:fontRef idx="minor">
+            <a:schemeClr val="lt1"/>
+          </a:fontRef>
+        </p:style>
+        <p:txBody>
+          <a:bodyPr rtlCol="0" anchor="ctr"/>
+          <a:lstStyle/>
+          <a:p>
+            <a:r>
+              <a:rPr lang="en-US" sz="1400" dirty="0" err="1" smtClean="0"/>
+              <a:t>包涵整个句子的信息</a:t>
+            </a:r>
+            <a:endParaRPr lang="en-US" sz="1400" dirty="0"/>
+          </a:p>
+        </p:txBody>
+      </p:sp>
+    </p:spTree>
+    <p:extLst>
+      <p:ext uri="{BB962C8B-B14F-4D97-AF65-F5344CB8AC3E}">
+        <p14:creationId xmlns:p14="http://schemas.microsoft.com/office/powerpoint/2010/main" val="1149992318"/>
+      </p:ext>
+    </p:extLst>
+  </p:cSld>
+  <p:clrMapOvr>
+    <a:masterClrMapping/>
+  </p:clrMapOvr>
+  <p:timing>
+    <p:tnLst>
+      <p:par>
+        <p:cTn id="1" dur="indefinite" restart="never" nodeType="tmRoot"/>
+      </p:par>
+    </p:tnLst>
+  </p:timing>
+</p:sld>
+</file>
+
+<file path=ppt/slides/slide5.xml><?xml version="1.0" encoding="utf-8"?>
+<p:sld xmlns:a="http://schemas.openxmlformats.org/drawingml/2006/main" xmlns:r="http://schemas.openxmlformats.org/officeDocument/2006/relationships" xmlns:p="http://schemas.openxmlformats.org/presentationml/2006/main">
+  <p:cSld>
+    <p:spTree>
+      <p:nvGrpSpPr>
+        <p:cNvPr id="1" name=""/>
+        <p:cNvGrpSpPr/>
+        <p:nvPr/>
+      </p:nvGrpSpPr>
+      <p:grpSpPr>
+        <a:xfrm>
+          <a:off x="0" y="0"/>
+          <a:ext cx="0" cy="0"/>
+          <a:chOff x="0" y="0"/>
+          <a:chExt cx="0" cy="0"/>
+        </a:xfrm>
+      </p:grpSpPr>
+      <p:sp>
+        <p:nvSpPr>
+          <p:cNvPr id="2" name="Title 1"/>
+          <p:cNvSpPr>
+            <a:spLocks noGrp="1"/>
+          </p:cNvSpPr>
+          <p:nvPr>
+            <p:ph type="title"/>
+          </p:nvPr>
+        </p:nvSpPr>
+        <p:spPr/>
+        <p:txBody>
+          <a:bodyPr/>
+          <a:lstStyle/>
+          <a:p>
+            <a:r>
+              <a:rPr lang="en-US" dirty="0" smtClean="0"/>
+              <a:t>Seq2Seq</a:t>
+            </a:r>
+            <a:r>
+              <a:rPr lang="zh-CN" altLang="en-US" dirty="0" smtClean="0"/>
+              <a:t>模型</a:t>
+            </a:r>
+            <a:r>
+              <a:rPr lang="en-US" dirty="0" smtClean="0"/>
+              <a:t>(2)</a:t>
+            </a:r>
+            <a:endParaRPr lang="en-US" dirty="0"/>
+          </a:p>
+        </p:txBody>
+      </p:sp>
+      <p:sp>
+        <p:nvSpPr>
+          <p:cNvPr id="3" name="Content Placeholder 2"/>
+          <p:cNvSpPr>
+            <a:spLocks noGrp="1"/>
+          </p:cNvSpPr>
+          <p:nvPr>
+            <p:ph idx="1"/>
+          </p:nvPr>
+        </p:nvSpPr>
+        <p:spPr/>
+        <p:txBody>
+          <a:bodyPr/>
+          <a:lstStyle/>
+          <a:p>
+            <a:pPr marL="971550" lvl="1" indent="-514350">
+              <a:buFont typeface="+mj-lt"/>
+              <a:buAutoNum type="arabicPeriod" startAt="3"/>
+            </a:pPr>
+            <a:r>
+              <a:rPr lang="en-US" dirty="0" smtClean="0"/>
+              <a:t>Encoder/Decoder </a:t>
+            </a:r>
+            <a:r>
+              <a:rPr lang="zh-CN" altLang="en-US" dirty="0" smtClean="0"/>
+              <a:t>一起训练</a:t>
+            </a:r>
+            <a:endParaRPr lang="en-US" dirty="0"/>
+          </a:p>
+        </p:txBody>
+      </p:sp>
+      <p:pic>
+        <p:nvPicPr>
+          <p:cNvPr id="4098" name="Picture 2" descr="https://pic4.zhimg.com/50/v2-e0fbb46d897400a384873fc100c442db_hd.jpg"/>
+          <p:cNvPicPr>
+            <a:picLocks noChangeAspect="1" noChangeArrowheads="1"/>
+          </p:cNvPicPr>
+          <p:nvPr/>
+        </p:nvPicPr>
+        <p:blipFill>
+          <a:blip r:embed="rId3">
+            <a:extLst>
+              <a:ext uri="{28A0092B-C50C-407E-A947-70E740481C1C}">
+                <a14:useLocalDpi xmlns:a14="http://schemas.microsoft.com/office/drawing/2010/main" val="0"/>
+              </a:ext>
+            </a:extLst>
+          </a:blip>
+          <a:srcRect/>
+          <a:stretch>
+            <a:fillRect/>
+          </a:stretch>
+        </p:blipFill>
+        <p:spPr bwMode="auto">
+          <a:xfrm>
+            <a:off x="2938360" y="3333750"/>
+            <a:ext cx="5143500" cy="2843213"/>
+          </a:xfrm>
+          <a:prstGeom prst="rect">
+            <a:avLst/>
+          </a:prstGeom>
+          <a:noFill/>
+          <a:extLst>
+            <a:ext uri="{909E8E84-426E-40DD-AFC4-6F175D3DCCD1}">
+              <a14:hiddenFill xmlns:a14="http://schemas.microsoft.com/office/drawing/2010/main">
+                <a:solidFill>
+                  <a:srgbClr val="FFFFFF"/>
+                </a:solidFill>
+              </a14:hiddenFill>
+            </a:ext>
+          </a:extLst>
+        </p:spPr>
+      </p:pic>
+      <p:sp>
+        <p:nvSpPr>
+          <p:cNvPr id="4" name="Rectangle 3"/>
+          <p:cNvSpPr/>
+          <p:nvPr/>
+        </p:nvSpPr>
+        <p:spPr>
+          <a:xfrm>
+            <a:off x="2938360" y="2964418"/>
+            <a:ext cx="4464684" cy="369332"/>
+          </a:xfrm>
+          <a:prstGeom prst="rect">
+            <a:avLst/>
+          </a:prstGeom>
+        </p:spPr>
+        <p:txBody>
+          <a:bodyPr wrap="none">
+            <a:spAutoFit/>
+          </a:bodyPr>
+          <a:lstStyle/>
+          <a:p>
+            <a:r>
+              <a:rPr lang="en-US" dirty="0" smtClean="0"/>
+              <a:t>(2)</a:t>
+            </a:r>
+            <a:r>
+              <a:rPr lang="en-US" dirty="0" err="1" smtClean="0"/>
+              <a:t>还有一种做法是将c当做每一步的输入</a:t>
+            </a:r>
+            <a:r>
+              <a:rPr lang="en-US" dirty="0" smtClean="0"/>
+              <a:t>：</a:t>
+            </a:r>
+            <a:endParaRPr lang="en-US" dirty="0"/>
+          </a:p>
+        </p:txBody>
+      </p:sp>
+    </p:spTree>
+    <p:extLst>
+      <p:ext uri="{BB962C8B-B14F-4D97-AF65-F5344CB8AC3E}">
+        <p14:creationId xmlns:p14="http://schemas.microsoft.com/office/powerpoint/2010/main" val="4205740498"/>
+      </p:ext>
+    </p:extLst>
+  </p:cSld>
+  <p:clrMapOvr>
+    <a:masterClrMapping/>
+  </p:clrMapOvr>
+  <p:timing>
+    <p:tnLst>
+      <p:par>
+        <p:cTn id="1" dur="indefinite" restart="never" nodeType="tmRoot"/>
+      </p:par>
+    </p:tnLst>
+  </p:timing>
+</p:sld>
+</file>
+
+<file path=ppt/slides/slide6.xml><?xml version="1.0" encoding="utf-8"?>
+<p:sld xmlns:a="http://schemas.openxmlformats.org/drawingml/2006/main" xmlns:r="http://schemas.openxmlformats.org/officeDocument/2006/relationships" xmlns:p="http://schemas.openxmlformats.org/presentationml/2006/main">
+  <p:cSld>
+    <p:spTree>
+      <p:nvGrpSpPr>
+        <p:cNvPr id="1" name=""/>
+        <p:cNvGrpSpPr/>
+        <p:nvPr/>
+      </p:nvGrpSpPr>
+      <p:grpSpPr>
+        <a:xfrm>
+          <a:off x="0" y="0"/>
+          <a:ext cx="0" cy="0"/>
+          <a:chOff x="0" y="0"/>
+          <a:chExt cx="0" cy="0"/>
+        </a:xfrm>
+      </p:grpSpPr>
+      <p:sp>
+        <p:nvSpPr>
+          <p:cNvPr id="2" name="Title 1"/>
+          <p:cNvSpPr>
+            <a:spLocks noGrp="1"/>
+          </p:cNvSpPr>
+          <p:nvPr>
+            <p:ph type="title"/>
+          </p:nvPr>
+        </p:nvSpPr>
+        <p:spPr/>
+        <p:txBody>
+          <a:bodyPr/>
+          <a:lstStyle/>
+          <a:p>
+            <a:r>
+              <a:rPr lang="zh-CN" altLang="en-US" dirty="0"/>
+              <a:t>词嵌</a:t>
+            </a:r>
+            <a:r>
+              <a:rPr lang="zh-CN" altLang="en-US" dirty="0" smtClean="0"/>
+              <a:t>入 </a:t>
+            </a:r>
+            <a:r>
+              <a:rPr lang="en-US" altLang="zh-CN" dirty="0" smtClean="0"/>
+              <a:t>(Embedding)</a:t>
+            </a:r>
+            <a:endParaRPr lang="en-US" dirty="0"/>
+          </a:p>
+        </p:txBody>
+      </p:sp>
+      <p:sp>
+        <p:nvSpPr>
+          <p:cNvPr id="3" name="Content Placeholder 2"/>
+          <p:cNvSpPr>
+            <a:spLocks noGrp="1"/>
+          </p:cNvSpPr>
+          <p:nvPr>
+            <p:ph idx="1"/>
+          </p:nvPr>
+        </p:nvSpPr>
+        <p:spPr>
+          <a:xfrm>
+            <a:off x="838200" y="1825625"/>
+            <a:ext cx="4849629" cy="4351338"/>
+          </a:xfrm>
+        </p:spPr>
+        <p:txBody>
+          <a:bodyPr/>
+          <a:lstStyle/>
+          <a:p>
+            <a:r>
+              <a:rPr lang="zh-CN" altLang="en-US" dirty="0" smtClean="0"/>
+              <a:t>词嵌入与</a:t>
+            </a:r>
+            <a:r>
+              <a:rPr lang="zh-CN" altLang="en-US" dirty="0"/>
+              <a:t>序列</a:t>
+            </a:r>
+            <a:r>
+              <a:rPr lang="zh-CN" altLang="en-US" dirty="0" smtClean="0"/>
+              <a:t>嵌入 </a:t>
+            </a:r>
+            <a:r>
+              <a:rPr lang="en-US" altLang="zh-CN" dirty="0" smtClean="0"/>
+              <a:t>(word vs. sequence embedding)</a:t>
+            </a:r>
+          </a:p>
+          <a:p>
+            <a:endParaRPr lang="en-US" dirty="0"/>
+          </a:p>
+          <a:p>
+            <a:r>
+              <a:rPr lang="en-US" dirty="0" smtClean="0"/>
+              <a:t>                        </a:t>
+            </a:r>
+            <a:r>
+              <a:rPr lang="en-US" altLang="zh-CN" b="1" dirty="0" smtClean="0">
+                <a:solidFill>
+                  <a:srgbClr val="FF0000"/>
+                </a:solidFill>
+              </a:rPr>
+              <a:t>c</a:t>
+            </a:r>
+            <a:r>
+              <a:rPr lang="en-US" altLang="zh-CN" dirty="0" smtClean="0"/>
+              <a:t> </a:t>
+            </a:r>
+            <a:r>
+              <a:rPr lang="zh-CN" altLang="en-US" dirty="0" smtClean="0"/>
+              <a:t>就是序列嵌入</a:t>
+            </a:r>
+            <a:endParaRPr lang="en-US" dirty="0"/>
+          </a:p>
+        </p:txBody>
+      </p:sp>
+      <p:pic>
+        <p:nvPicPr>
+          <p:cNvPr id="4" name="Picture 3"/>
+          <p:cNvPicPr>
+            <a:picLocks noChangeAspect="1"/>
+          </p:cNvPicPr>
+          <p:nvPr/>
+        </p:nvPicPr>
+        <p:blipFill>
+          <a:blip r:embed="rId3"/>
+          <a:stretch>
+            <a:fillRect/>
+          </a:stretch>
+        </p:blipFill>
+        <p:spPr>
+          <a:xfrm>
+            <a:off x="5687829" y="365125"/>
+            <a:ext cx="6365081" cy="6350794"/>
+          </a:xfrm>
+          <a:prstGeom prst="rect">
+            <a:avLst/>
+          </a:prstGeom>
+        </p:spPr>
+      </p:pic>
+      <p:pic>
+        <p:nvPicPr>
+          <p:cNvPr id="6" name="Picture 5"/>
+          <p:cNvPicPr>
+            <a:picLocks noChangeAspect="1"/>
+          </p:cNvPicPr>
+          <p:nvPr/>
+        </p:nvPicPr>
+        <p:blipFill>
+          <a:blip r:embed="rId4"/>
+          <a:stretch>
+            <a:fillRect/>
+          </a:stretch>
+        </p:blipFill>
+        <p:spPr>
+          <a:xfrm>
+            <a:off x="84184" y="4848202"/>
+            <a:ext cx="5127877" cy="1901162"/>
+          </a:xfrm>
+          <a:prstGeom prst="rect">
+            <a:avLst/>
+          </a:prstGeom>
+        </p:spPr>
+      </p:pic>
+      <p:sp>
+        <p:nvSpPr>
+          <p:cNvPr id="8" name="Rectangle 7"/>
+          <p:cNvSpPr/>
+          <p:nvPr/>
+        </p:nvSpPr>
+        <p:spPr>
+          <a:xfrm>
+            <a:off x="6644201" y="3894423"/>
+            <a:ext cx="473646" cy="254610"/>
+          </a:xfrm>
+          <a:prstGeom prst="rect">
+            <a:avLst/>
+          </a:prstGeom>
+          <a:solidFill>
+            <a:schemeClr val="accent5">
+              <a:alpha val="56000"/>
+            </a:schemeClr>
+          </a:solidFill>
+          <a:effectLst>
+            <a:glow rad="127000">
+              <a:schemeClr val="accent1">
+                <a:alpha val="14000"/>
+              </a:schemeClr>
+            </a:glow>
+          </a:effectLst>
+        </p:spPr>
+        <p:style>
+          <a:lnRef idx="2">
+            <a:schemeClr val="accent5">
+              <a:shade val="50000"/>
+            </a:schemeClr>
+          </a:lnRef>
+          <a:fillRef idx="1">
+            <a:schemeClr val="accent5"/>
+          </a:fillRef>
+          <a:effectRef idx="0">
+            <a:schemeClr val="accent5"/>
+          </a:effectRef>
+          <a:fontRef idx="minor">
+            <a:schemeClr val="lt1"/>
+          </a:fontRef>
+        </p:style>
+        <p:txBody>
+          <a:bodyPr rtlCol="0" anchor="ctr"/>
+          <a:lstStyle/>
+          <a:p>
+            <a:pPr algn="ctr"/>
+            <a:endParaRPr lang="en-US"/>
+          </a:p>
+        </p:txBody>
+      </p:sp>
+      <p:cxnSp>
+        <p:nvCxnSpPr>
+          <p:cNvPr id="10" name="Straight Connector 9"/>
+          <p:cNvCxnSpPr/>
+          <p:nvPr/>
+        </p:nvCxnSpPr>
+        <p:spPr>
+          <a:xfrm flipV="1">
+            <a:off x="282872" y="3894423"/>
+            <a:ext cx="6361329" cy="953779"/>
+          </a:xfrm>
+          <a:prstGeom prst="line">
+            <a:avLst/>
+          </a:prstGeom>
+        </p:spPr>
+        <p:style>
+          <a:lnRef idx="1">
+            <a:schemeClr val="accent1"/>
+          </a:lnRef>
+          <a:fillRef idx="0">
+            <a:schemeClr val="accent1"/>
+          </a:fillRef>
+          <a:effectRef idx="0">
+            <a:schemeClr val="accent1"/>
+          </a:effectRef>
+          <a:fontRef idx="minor">
+            <a:schemeClr val="tx1"/>
+          </a:fontRef>
+        </p:style>
+      </p:cxnSp>
+      <p:cxnSp>
+        <p:nvCxnSpPr>
+          <p:cNvPr id="12" name="Straight Connector 11"/>
+          <p:cNvCxnSpPr/>
+          <p:nvPr/>
+        </p:nvCxnSpPr>
+        <p:spPr>
+          <a:xfrm flipV="1">
+            <a:off x="5150901" y="4149033"/>
+            <a:ext cx="1966946" cy="2566886"/>
+          </a:xfrm>
+          <a:prstGeom prst="line">
+            <a:avLst/>
+          </a:prstGeom>
+        </p:spPr>
+        <p:style>
+          <a:lnRef idx="1">
+            <a:schemeClr val="accent1"/>
+          </a:lnRef>
+          <a:fillRef idx="0">
+            <a:schemeClr val="accent1"/>
+          </a:fillRef>
+          <a:effectRef idx="0">
+            <a:schemeClr val="accent1"/>
+          </a:effectRef>
+          <a:fontRef idx="minor">
+            <a:schemeClr val="tx1"/>
+          </a:fontRef>
+        </p:style>
+      </p:cxnSp>
+      <p:pic>
+        <p:nvPicPr>
+          <p:cNvPr id="5" name="Picture 4"/>
+          <p:cNvPicPr>
+            <a:picLocks noChangeAspect="1"/>
+          </p:cNvPicPr>
+          <p:nvPr/>
+        </p:nvPicPr>
+        <p:blipFill>
+          <a:blip r:embed="rId5"/>
+          <a:stretch>
+            <a:fillRect/>
+          </a:stretch>
+        </p:blipFill>
+        <p:spPr>
+          <a:xfrm>
+            <a:off x="84184" y="2659605"/>
+            <a:ext cx="2760420" cy="2170261"/>
+          </a:xfrm>
+          <a:prstGeom prst="rect">
+            <a:avLst/>
+          </a:prstGeom>
+        </p:spPr>
+      </p:pic>
+    </p:spTree>
+    <p:extLst>
+      <p:ext uri="{BB962C8B-B14F-4D97-AF65-F5344CB8AC3E}">
+        <p14:creationId xmlns:p14="http://schemas.microsoft.com/office/powerpoint/2010/main" val="1109570628"/>
+      </p:ext>
+    </p:extLst>
+  </p:cSld>
+  <p:clrMapOvr>
+    <a:masterClrMapping/>
+  </p:clrMapOvr>
+  <p:timing>
+    <p:tnLst>
+      <p:par>
+        <p:cTn id="1" dur="indefinite" restart="never" nodeType="tmRoot"/>
+      </p:par>
+    </p:tnLst>
+  </p:timing>
+</p:sld>
+</file>
+
+<file path=ppt/slides/slide7.xml><?xml version="1.0" encoding="utf-8"?>
+<p:sld xmlns:a="http://schemas.openxmlformats.org/drawingml/2006/main" xmlns:r="http://schemas.openxmlformats.org/officeDocument/2006/relationships" xmlns:p="http://schemas.openxmlformats.org/presentationml/2006/main">
+  <p:cSld>
+    <p:spTree>
+      <p:nvGrpSpPr>
+        <p:cNvPr id="1" name=""/>
+        <p:cNvGrpSpPr/>
+        <p:nvPr/>
+      </p:nvGrpSpPr>
+      <p:grpSpPr>
+        <a:xfrm>
+          <a:off x="0" y="0"/>
+          <a:ext cx="0" cy="0"/>
+          <a:chOff x="0" y="0"/>
+          <a:chExt cx="0" cy="0"/>
+        </a:xfrm>
+      </p:grpSpPr>
+      <p:sp>
+        <p:nvSpPr>
+          <p:cNvPr id="2" name="Title 1"/>
+          <p:cNvSpPr>
+            <a:spLocks noGrp="1"/>
+          </p:cNvSpPr>
+          <p:nvPr>
+            <p:ph type="title"/>
+          </p:nvPr>
+        </p:nvSpPr>
+        <p:spPr/>
+        <p:txBody>
+          <a:bodyPr/>
+          <a:lstStyle/>
+          <a:p>
+            <a:r>
+              <a:rPr lang="zh-CN" altLang="en-US" dirty="0"/>
+              <a:t>应</a:t>
+            </a:r>
+            <a:r>
+              <a:rPr lang="zh-CN" altLang="en-US" dirty="0" smtClean="0"/>
+              <a:t>用场景</a:t>
+            </a:r>
+            <a:endParaRPr lang="en-US" dirty="0"/>
+          </a:p>
+        </p:txBody>
+      </p:sp>
+      <p:sp>
+        <p:nvSpPr>
+          <p:cNvPr id="3" name="Content Placeholder 2"/>
+          <p:cNvSpPr>
+            <a:spLocks noGrp="1"/>
+          </p:cNvSpPr>
+          <p:nvPr>
+            <p:ph idx="1"/>
+          </p:nvPr>
+        </p:nvSpPr>
+        <p:spPr>
+          <a:xfrm>
+            <a:off x="838200" y="1825624"/>
+            <a:ext cx="10515600" cy="5032376"/>
+          </a:xfrm>
+        </p:spPr>
+        <p:txBody>
+          <a:bodyPr>
+            <a:normAutofit/>
+          </a:bodyPr>
+          <a:lstStyle/>
+          <a:p>
+            <a:r>
+              <a:rPr lang="zh-CN" altLang="en-US" dirty="0" smtClean="0"/>
+              <a:t>机器翻译。</a:t>
+            </a:r>
+            <a:endParaRPr lang="en-US" altLang="zh-CN" dirty="0" smtClean="0"/>
+          </a:p>
+          <a:p>
+            <a:pPr lvl="1"/>
+            <a:r>
+              <a:rPr lang="en-US" altLang="zh-CN" dirty="0" smtClean="0"/>
+              <a:t>Encoder-Decoder</a:t>
+            </a:r>
+            <a:r>
+              <a:rPr lang="zh-CN" altLang="en-US" dirty="0" smtClean="0"/>
+              <a:t>的最经典应用，事实上这一结构就是在机器翻译领域最先提出的</a:t>
+            </a:r>
+            <a:endParaRPr lang="en-US" altLang="zh-CN" dirty="0" smtClean="0"/>
+          </a:p>
+          <a:p>
+            <a:r>
+              <a:rPr lang="zh-CN" altLang="en-US" dirty="0" smtClean="0"/>
+              <a:t>文本摘要。</a:t>
+            </a:r>
+            <a:endParaRPr lang="en-US" altLang="zh-CN" dirty="0" smtClean="0"/>
+          </a:p>
+          <a:p>
+            <a:pPr lvl="1"/>
+            <a:r>
+              <a:rPr lang="zh-CN" altLang="en-US" dirty="0" smtClean="0"/>
+              <a:t>输入是一段文本序列，输出是这段文本序列的摘要序列。</a:t>
+            </a:r>
+            <a:endParaRPr lang="en-US" altLang="zh-CN" dirty="0" smtClean="0"/>
+          </a:p>
+          <a:p>
+            <a:r>
+              <a:rPr lang="zh-CN" altLang="en-US" dirty="0" smtClean="0"/>
+              <a:t>阅读理解。</a:t>
+            </a:r>
+            <a:endParaRPr lang="en-US" altLang="zh-CN" dirty="0" smtClean="0"/>
+          </a:p>
+          <a:p>
+            <a:pPr lvl="1"/>
+            <a:r>
+              <a:rPr lang="zh-CN" altLang="en-US" dirty="0" smtClean="0"/>
+              <a:t>将输入的文章和问题分别编码，再对其进行解码得到问题的答案。</a:t>
+            </a:r>
+            <a:endParaRPr lang="en-US" altLang="zh-CN" dirty="0" smtClean="0"/>
+          </a:p>
+          <a:p>
+            <a:r>
+              <a:rPr lang="zh-CN" altLang="en-US" dirty="0" smtClean="0"/>
+              <a:t>语音识别。</a:t>
+            </a:r>
+            <a:endParaRPr lang="en-US" altLang="zh-CN" dirty="0" smtClean="0"/>
+          </a:p>
+          <a:p>
+            <a:pPr lvl="1"/>
+            <a:r>
+              <a:rPr lang="zh-CN" altLang="en-US" dirty="0" smtClean="0"/>
+              <a:t>输入是语音信号序列，输出是文字序列。</a:t>
+            </a:r>
+            <a:endParaRPr lang="en-US" altLang="zh-CN" dirty="0" smtClean="0"/>
+          </a:p>
+          <a:p>
+            <a:r>
+              <a:rPr lang="zh-CN" altLang="en-US" dirty="0"/>
+              <a:t>聊天机器</a:t>
+            </a:r>
+            <a:r>
+              <a:rPr lang="zh-CN" altLang="en-US" dirty="0" smtClean="0"/>
+              <a:t>人</a:t>
+            </a:r>
+            <a:endParaRPr lang="en-US" altLang="zh-CN" dirty="0" smtClean="0"/>
+          </a:p>
+          <a:p>
+            <a:pPr lvl="1"/>
+            <a:r>
+              <a:rPr lang="zh-CN" altLang="en-US" dirty="0"/>
+              <a:t>输</a:t>
+            </a:r>
+            <a:r>
+              <a:rPr lang="zh-CN" altLang="en-US" dirty="0" smtClean="0"/>
+              <a:t>入是</a:t>
+            </a:r>
+            <a:r>
+              <a:rPr lang="zh-CN" altLang="en-US" dirty="0" smtClean="0"/>
+              <a:t>一个句子，输出答句。</a:t>
+            </a:r>
+            <a:endParaRPr lang="en-US" dirty="0"/>
+          </a:p>
+        </p:txBody>
+      </p:sp>
+    </p:spTree>
+    <p:extLst>
+      <p:ext uri="{BB962C8B-B14F-4D97-AF65-F5344CB8AC3E}">
+        <p14:creationId xmlns:p14="http://schemas.microsoft.com/office/powerpoint/2010/main" val="1090992386"/>
+      </p:ext>
+    </p:extLst>
+  </p:cSld>
+  <p:clrMapOvr>
+    <a:masterClrMapping/>
+  </p:clrMapOvr>
+  <p:timing>
+    <p:tnLst>
+      <p:par>
+        <p:cTn id="1" dur="indefinite" restart="never" nodeType="tmRoot"/>
+      </p:par>
+    </p:tnLst>
+  </p:timing>
+</p:sld>
+</file>
+
+<file path=ppt/slides/slide8.xml><?xml version="1.0" encoding="utf-8"?>
+<p:sld xmlns:a="http://schemas.openxmlformats.org/drawingml/2006/main" xmlns:r="http://schemas.openxmlformats.org/officeDocument/2006/relationships" xmlns:p="http://schemas.openxmlformats.org/presentationml/2006/main">
+  <p:cSld>
+    <p:spTree>
+      <p:nvGrpSpPr>
+        <p:cNvPr id="1" name=""/>
+        <p:cNvGrpSpPr/>
+        <p:nvPr/>
+      </p:nvGrpSpPr>
+      <p:grpSpPr>
+        <a:xfrm>
+          <a:off x="0" y="0"/>
+          <a:ext cx="0" cy="0"/>
+          <a:chOff x="0" y="0"/>
+          <a:chExt cx="0" cy="0"/>
+        </a:xfrm>
+      </p:grpSpPr>
+      <p:sp>
+        <p:nvSpPr>
+          <p:cNvPr id="2" name="Title 1"/>
+          <p:cNvSpPr>
+            <a:spLocks noGrp="1"/>
+          </p:cNvSpPr>
+          <p:nvPr>
+            <p:ph type="title"/>
+          </p:nvPr>
+        </p:nvSpPr>
+        <p:spPr/>
+        <p:txBody>
+          <a:bodyPr/>
+          <a:lstStyle/>
+          <a:p>
+            <a:r>
               <a:rPr lang="en-US" dirty="0" smtClean="0"/>
               <a:t>Reference</a:t>
             </a:r>
@@ -3889,9 +6055,92 @@
           <a:lstStyle/>
           <a:p>
             <a:r>
+              <a:rPr lang="en-US" dirty="0" smtClean="0">
+                <a:hlinkClick r:id="rId3"/>
+              </a:rPr>
+              <a:t>https://github.com/tensorflow/nmt</a:t>
+            </a:r>
+            <a:endParaRPr lang="en-US" dirty="0" smtClean="0"/>
+          </a:p>
+          <a:p>
+            <a:r>
+              <a:rPr lang="en-US" dirty="0" smtClean="0">
+                <a:hlinkClick r:id="rId4"/>
+              </a:rPr>
+              <a:t>https://google.github.io/seq2seq/</a:t>
+            </a:r>
+            <a:endParaRPr lang="en-US" dirty="0" smtClean="0"/>
+          </a:p>
+          <a:p>
+            <a:r>
+              <a:rPr lang="zh-CN" altLang="en-US" dirty="0" smtClean="0"/>
+              <a:t>完全图解</a:t>
+            </a:r>
+            <a:r>
               <a:rPr lang="en-US" dirty="0" smtClean="0"/>
-              <a:t>https://github.com/tensorflow/nmt</a:t>
-            </a:r>
+              <a:t>RNN、RNN</a:t>
+            </a:r>
+            <a:r>
+              <a:rPr lang="zh-CN" altLang="en-US" dirty="0" smtClean="0"/>
+              <a:t>变体、</a:t>
+            </a:r>
+            <a:r>
+              <a:rPr lang="en-US" dirty="0" smtClean="0"/>
+              <a:t>Seq2Seq、Attention</a:t>
+            </a:r>
+            <a:r>
+              <a:rPr lang="zh-CN" altLang="en-US" dirty="0" smtClean="0"/>
+              <a:t>机制 </a:t>
+            </a:r>
+            <a:r>
+              <a:rPr lang="en-US" altLang="zh-CN" dirty="0" smtClean="0"/>
+              <a:t>(</a:t>
+            </a:r>
+            <a:r>
+              <a:rPr lang="en-US" altLang="zh-CN" dirty="0" smtClean="0">
+                <a:hlinkClick r:id="rId5"/>
+              </a:rPr>
+              <a:t>Link</a:t>
+            </a:r>
+            <a:r>
+              <a:rPr lang="en-US" altLang="zh-CN" dirty="0" smtClean="0"/>
+              <a:t>)</a:t>
+            </a:r>
+          </a:p>
+          <a:p>
+            <a:r>
+              <a:rPr lang="en-US" altLang="zh-CN" dirty="0" smtClean="0"/>
+              <a:t>A </a:t>
+            </a:r>
+            <a:r>
+              <a:rPr lang="en-US" altLang="zh-CN" dirty="0" err="1" smtClean="0"/>
+              <a:t>TensorFlow</a:t>
+            </a:r>
+            <a:r>
+              <a:rPr lang="en-US" altLang="zh-CN" dirty="0" smtClean="0"/>
+              <a:t> </a:t>
+            </a:r>
+            <a:r>
+              <a:rPr lang="en-US" altLang="zh-CN" dirty="0" err="1" smtClean="0"/>
+              <a:t>Chatbot</a:t>
+            </a:r>
+            <a:r>
+              <a:rPr lang="en-US" altLang="zh-CN" dirty="0" smtClean="0"/>
+              <a:t> (</a:t>
+            </a:r>
+            <a:r>
+              <a:rPr lang="en-US" altLang="zh-CN" dirty="0" smtClean="0">
+                <a:hlinkClick r:id="rId6"/>
+              </a:rPr>
+              <a:t>Link</a:t>
+            </a:r>
+            <a:r>
+              <a:rPr lang="en-US" altLang="zh-CN" dirty="0" smtClean="0"/>
+              <a:t>)</a:t>
+            </a:r>
+            <a:endParaRPr lang="en-US" dirty="0" smtClean="0"/>
+          </a:p>
+          <a:p>
             <a:endParaRPr lang="en-US" dirty="0"/>
           </a:p>
         </p:txBody>
@@ -3906,6 +6155,13 @@
   <p:clrMapOvr>
     <a:masterClrMapping/>
   </p:clrMapOvr>
+  <p:timing>
+    <p:tnLst>
+      <p:par>
+        <p:cTn id="1" dur="indefinite" restart="never" nodeType="tmRoot"/>
+      </p:par>
+    </p:tnLst>
+  </p:timing>
 </p:sld>
 </file>
 

--- a/nlp/Seq2Seq.pptx
+++ b/nlp/Seq2Seq.pptx
@@ -4497,7 +4497,7 @@
         </p:blipFill>
         <p:spPr bwMode="auto">
           <a:xfrm>
-            <a:off x="7329487" y="976313"/>
+            <a:off x="7553153" y="476354"/>
             <a:ext cx="4024313" cy="714375"/>
           </a:xfrm>
           <a:prstGeom prst="rect">
@@ -6138,6 +6138,33 @@
               <a:rPr lang="en-US" altLang="zh-CN" dirty="0" smtClean="0"/>
               <a:t>)</a:t>
             </a:r>
+          </a:p>
+          <a:p>
+            <a:r>
+              <a:rPr lang="zh-CN" altLang="en-US" dirty="0"/>
+              <a:t>自己动手做聊天机器人教</a:t>
+            </a:r>
+            <a:r>
+              <a:rPr lang="zh-CN" altLang="en-US" dirty="0" smtClean="0"/>
+              <a:t>程 </a:t>
+            </a:r>
+            <a:r>
+              <a:rPr lang="en-US" altLang="zh-CN" dirty="0" smtClean="0"/>
+              <a:t>(</a:t>
+            </a:r>
+            <a:r>
+              <a:rPr lang="en-US" altLang="zh-CN" dirty="0" smtClean="0">
+                <a:hlinkClick r:id="rId7"/>
+              </a:rPr>
+              <a:t>Link</a:t>
+            </a:r>
+            <a:r>
+              <a:rPr lang="en-US" altLang="zh-CN" dirty="0" smtClean="0"/>
+              <a:t>)</a:t>
+            </a:r>
+            <a:endParaRPr lang="en-US" dirty="0"/>
+          </a:p>
+          <a:p>
             <a:endParaRPr lang="en-US" dirty="0" smtClean="0"/>
           </a:p>
           <a:p>
